--- a/slides/experiment_design_howitworks.pptx
+++ b/slides/experiment_design_howitworks.pptx
@@ -4019,6 +4019,38 @@
     </pc:docChg>
   </pc:docChgLst>
   <pc:docChgLst>
+    <pc:chgData name="Mistri, Somen K" userId="0be3d461-045e-4def-96db-2a497456586c" providerId="ADAL" clId="{810DFF70-51D3-A64F-B2A4-E833956C9534}"/>
+    <pc:docChg chg="custSel modSld">
+      <pc:chgData name="Mistri, Somen K" userId="0be3d461-045e-4def-96db-2a497456586c" providerId="ADAL" clId="{810DFF70-51D3-A64F-B2A4-E833956C9534}" dt="2022-12-16T15:50:06.587" v="1" actId="1076"/>
+      <pc:docMkLst>
+        <pc:docMk/>
+      </pc:docMkLst>
+      <pc:sldChg chg="delSp modSp mod">
+        <pc:chgData name="Mistri, Somen K" userId="0be3d461-045e-4def-96db-2a497456586c" providerId="ADAL" clId="{810DFF70-51D3-A64F-B2A4-E833956C9534}" dt="2022-12-16T15:50:06.587" v="1" actId="1076"/>
+        <pc:sldMkLst>
+          <pc:docMk/>
+          <pc:sldMk cId="1577562815" sldId="589"/>
+        </pc:sldMkLst>
+        <pc:spChg chg="del">
+          <ac:chgData name="Mistri, Somen K" userId="0be3d461-045e-4def-96db-2a497456586c" providerId="ADAL" clId="{810DFF70-51D3-A64F-B2A4-E833956C9534}" dt="2022-12-16T15:49:57.158" v="0" actId="478"/>
+          <ac:spMkLst>
+            <pc:docMk/>
+            <pc:sldMk cId="1577562815" sldId="589"/>
+            <ac:spMk id="29" creationId="{00000000-0000-0000-0000-000000000000}"/>
+          </ac:spMkLst>
+        </pc:spChg>
+        <pc:picChg chg="mod">
+          <ac:chgData name="Mistri, Somen K" userId="0be3d461-045e-4def-96db-2a497456586c" providerId="ADAL" clId="{810DFF70-51D3-A64F-B2A4-E833956C9534}" dt="2022-12-16T15:50:06.587" v="1" actId="1076"/>
+          <ac:picMkLst>
+            <pc:docMk/>
+            <pc:sldMk cId="1577562815" sldId="589"/>
+            <ac:picMk id="31" creationId="{00000000-0000-0000-0000-000000000000}"/>
+          </ac:picMkLst>
+        </pc:picChg>
+      </pc:sldChg>
+    </pc:docChg>
+  </pc:docChgLst>
+  <pc:docChgLst>
     <pc:chgData name="Mistri, Somen K" userId="0be3d461-045e-4def-96db-2a497456586c" providerId="ADAL" clId="{0CDA6D5A-941F-CF45-97CE-431B204399B1}"/>
     <pc:docChg chg="undo redo custSel addSld delSld modSld sldOrd">
       <pc:chgData name="Mistri, Somen K" userId="0be3d461-045e-4def-96db-2a497456586c" providerId="ADAL" clId="{0CDA6D5A-941F-CF45-97CE-431B204399B1}" dt="2021-02-24T21:23:33.334" v="6252" actId="20577"/>
@@ -9637,38 +9669,6 @@
             <pc:docMk/>
             <pc:sldMk cId="1087544157" sldId="596"/>
             <ac:picMk id="3" creationId="{337C920B-3345-834F-85A0-49A4B7DD6B99}"/>
-          </ac:picMkLst>
-        </pc:picChg>
-      </pc:sldChg>
-    </pc:docChg>
-  </pc:docChgLst>
-  <pc:docChgLst>
-    <pc:chgData name="Mistri, Somen K" userId="0be3d461-045e-4def-96db-2a497456586c" providerId="ADAL" clId="{810DFF70-51D3-A64F-B2A4-E833956C9534}"/>
-    <pc:docChg chg="custSel modSld">
-      <pc:chgData name="Mistri, Somen K" userId="0be3d461-045e-4def-96db-2a497456586c" providerId="ADAL" clId="{810DFF70-51D3-A64F-B2A4-E833956C9534}" dt="2022-12-16T15:50:06.587" v="1" actId="1076"/>
-      <pc:docMkLst>
-        <pc:docMk/>
-      </pc:docMkLst>
-      <pc:sldChg chg="delSp modSp mod">
-        <pc:chgData name="Mistri, Somen K" userId="0be3d461-045e-4def-96db-2a497456586c" providerId="ADAL" clId="{810DFF70-51D3-A64F-B2A4-E833956C9534}" dt="2022-12-16T15:50:06.587" v="1" actId="1076"/>
-        <pc:sldMkLst>
-          <pc:docMk/>
-          <pc:sldMk cId="1577562815" sldId="589"/>
-        </pc:sldMkLst>
-        <pc:spChg chg="del">
-          <ac:chgData name="Mistri, Somen K" userId="0be3d461-045e-4def-96db-2a497456586c" providerId="ADAL" clId="{810DFF70-51D3-A64F-B2A4-E833956C9534}" dt="2022-12-16T15:49:57.158" v="0" actId="478"/>
-          <ac:spMkLst>
-            <pc:docMk/>
-            <pc:sldMk cId="1577562815" sldId="589"/>
-            <ac:spMk id="29" creationId="{00000000-0000-0000-0000-000000000000}"/>
-          </ac:spMkLst>
-        </pc:spChg>
-        <pc:picChg chg="mod">
-          <ac:chgData name="Mistri, Somen K" userId="0be3d461-045e-4def-96db-2a497456586c" providerId="ADAL" clId="{810DFF70-51D3-A64F-B2A4-E833956C9534}" dt="2022-12-16T15:50:06.587" v="1" actId="1076"/>
-          <ac:picMkLst>
-            <pc:docMk/>
-            <pc:sldMk cId="1577562815" sldId="589"/>
-            <ac:picMk id="31" creationId="{00000000-0000-0000-0000-000000000000}"/>
           </ac:picMkLst>
         </pc:picChg>
       </pc:sldChg>
@@ -18831,7 +18831,7 @@
           <a:p>
             <a:fld id="{60DE5520-B83F-EE42-BD2E-AC74E129F69D}" type="datetimeFigureOut">
               <a:rPr lang="en-US" smtClean="0"/>
-              <a:t>7/15/23</a:t>
+              <a:t>7/16/23</a:t>
             </a:fld>
             <a:endParaRPr lang="en-US"/>
           </a:p>
@@ -19008,7 +19008,7 @@
           <a:p>
             <a:fld id="{1628CC9E-11B0-5B4B-8873-C43F2DC1E4E9}" type="datetimeFigureOut">
               <a:rPr lang="en-US" smtClean="0"/>
-              <a:t>7/15/23</a:t>
+              <a:t>7/16/23</a:t>
             </a:fld>
             <a:endParaRPr lang="en-US"/>
           </a:p>
@@ -19424,6 +19424,90 @@
           <a:p>
             <a:fld id="{7D17AAA5-A37D-D54A-929C-8CB954C58857}" type="slidenum">
               <a:rPr lang="en-US" smtClean="0"/>
+              <a:t>9</a:t>
+            </a:fld>
+            <a:endParaRPr lang="en-US"/>
+          </a:p>
+        </p:txBody>
+      </p:sp>
+    </p:spTree>
+    <p:extLst>
+      <p:ext uri="{BB962C8B-B14F-4D97-AF65-F5344CB8AC3E}">
+        <p14:creationId xmlns:p14="http://schemas.microsoft.com/office/powerpoint/2010/main" val="95311656"/>
+      </p:ext>
+    </p:extLst>
+  </p:cSld>
+  <p:clrMapOvr>
+    <a:masterClrMapping/>
+  </p:clrMapOvr>
+</p:notes>
+</file>
+
+<file path=ppt/notesSlides/notesSlide3.xml><?xml version="1.0" encoding="utf-8"?>
+<p:notes xmlns:a="http://schemas.openxmlformats.org/drawingml/2006/main" xmlns:r="http://schemas.openxmlformats.org/officeDocument/2006/relationships" xmlns:p="http://schemas.openxmlformats.org/presentationml/2006/main">
+  <p:cSld>
+    <p:spTree>
+      <p:nvGrpSpPr>
+        <p:cNvPr id="1" name=""/>
+        <p:cNvGrpSpPr/>
+        <p:nvPr/>
+      </p:nvGrpSpPr>
+      <p:grpSpPr>
+        <a:xfrm>
+          <a:off x="0" y="0"/>
+          <a:ext cx="0" cy="0"/>
+          <a:chOff x="0" y="0"/>
+          <a:chExt cx="0" cy="0"/>
+        </a:xfrm>
+      </p:grpSpPr>
+      <p:sp>
+        <p:nvSpPr>
+          <p:cNvPr id="2" name="Slide Image Placeholder 1"/>
+          <p:cNvSpPr>
+            <a:spLocks noGrp="1" noRot="1" noChangeAspect="1"/>
+          </p:cNvSpPr>
+          <p:nvPr>
+            <p:ph type="sldImg"/>
+          </p:nvPr>
+        </p:nvSpPr>
+        <p:spPr/>
+      </p:sp>
+      <p:sp>
+        <p:nvSpPr>
+          <p:cNvPr id="3" name="Notes Placeholder 2"/>
+          <p:cNvSpPr>
+            <a:spLocks noGrp="1"/>
+          </p:cNvSpPr>
+          <p:nvPr>
+            <p:ph type="body" idx="1"/>
+          </p:nvPr>
+        </p:nvSpPr>
+        <p:spPr/>
+        <p:txBody>
+          <a:bodyPr/>
+          <a:lstStyle/>
+          <a:p>
+            <a:endParaRPr lang="en-US" dirty="0"/>
+          </a:p>
+        </p:txBody>
+      </p:sp>
+      <p:sp>
+        <p:nvSpPr>
+          <p:cNvPr id="4" name="Slide Number Placeholder 3"/>
+          <p:cNvSpPr>
+            <a:spLocks noGrp="1"/>
+          </p:cNvSpPr>
+          <p:nvPr>
+            <p:ph type="sldNum" sz="quarter" idx="5"/>
+          </p:nvPr>
+        </p:nvSpPr>
+        <p:spPr/>
+        <p:txBody>
+          <a:bodyPr/>
+          <a:lstStyle/>
+          <a:p>
+            <a:fld id="{7D17AAA5-A37D-D54A-929C-8CB954C58857}" type="slidenum">
+              <a:rPr lang="en-US" smtClean="0"/>
               <a:t>11</a:t>
             </a:fld>
             <a:endParaRPr lang="en-US"/>
@@ -19622,7 +19706,7 @@
           <a:p>
             <a:fld id="{859513D9-DD43-B54E-8C08-84413EA487CF}" type="datetimeFigureOut">
               <a:rPr lang="en-US" smtClean="0"/>
-              <a:t>7/15/23</a:t>
+              <a:t>7/16/23</a:t>
             </a:fld>
             <a:endParaRPr lang="en-US"/>
           </a:p>
@@ -19790,7 +19874,7 @@
           <a:p>
             <a:fld id="{859513D9-DD43-B54E-8C08-84413EA487CF}" type="datetimeFigureOut">
               <a:rPr lang="en-US" smtClean="0"/>
-              <a:t>7/15/23</a:t>
+              <a:t>7/16/23</a:t>
             </a:fld>
             <a:endParaRPr lang="en-US"/>
           </a:p>
@@ -19968,7 +20052,7 @@
           <a:p>
             <a:fld id="{859513D9-DD43-B54E-8C08-84413EA487CF}" type="datetimeFigureOut">
               <a:rPr lang="en-US" smtClean="0"/>
-              <a:t>7/15/23</a:t>
+              <a:t>7/16/23</a:t>
             </a:fld>
             <a:endParaRPr lang="en-US"/>
           </a:p>
@@ -20136,7 +20220,7 @@
           <a:p>
             <a:fld id="{859513D9-DD43-B54E-8C08-84413EA487CF}" type="datetimeFigureOut">
               <a:rPr lang="en-US" smtClean="0"/>
-              <a:t>7/15/23</a:t>
+              <a:t>7/16/23</a:t>
             </a:fld>
             <a:endParaRPr lang="en-US"/>
           </a:p>
@@ -20381,7 +20465,7 @@
           <a:p>
             <a:fld id="{859513D9-DD43-B54E-8C08-84413EA487CF}" type="datetimeFigureOut">
               <a:rPr lang="en-US" smtClean="0"/>
-              <a:t>7/15/23</a:t>
+              <a:t>7/16/23</a:t>
             </a:fld>
             <a:endParaRPr lang="en-US"/>
           </a:p>
@@ -20666,7 +20750,7 @@
           <a:p>
             <a:fld id="{859513D9-DD43-B54E-8C08-84413EA487CF}" type="datetimeFigureOut">
               <a:rPr lang="en-US" smtClean="0"/>
-              <a:t>7/15/23</a:t>
+              <a:t>7/16/23</a:t>
             </a:fld>
             <a:endParaRPr lang="en-US"/>
           </a:p>
@@ -21090,7 +21174,7 @@
           <a:p>
             <a:fld id="{859513D9-DD43-B54E-8C08-84413EA487CF}" type="datetimeFigureOut">
               <a:rPr lang="en-US" smtClean="0"/>
-              <a:t>7/15/23</a:t>
+              <a:t>7/16/23</a:t>
             </a:fld>
             <a:endParaRPr lang="en-US"/>
           </a:p>
@@ -21207,7 +21291,7 @@
           <a:p>
             <a:fld id="{859513D9-DD43-B54E-8C08-84413EA487CF}" type="datetimeFigureOut">
               <a:rPr lang="en-US" smtClean="0"/>
-              <a:t>7/15/23</a:t>
+              <a:t>7/16/23</a:t>
             </a:fld>
             <a:endParaRPr lang="en-US"/>
           </a:p>
@@ -21302,7 +21386,7 @@
           <a:p>
             <a:fld id="{859513D9-DD43-B54E-8C08-84413EA487CF}" type="datetimeFigureOut">
               <a:rPr lang="en-US" smtClean="0"/>
-              <a:t>7/15/23</a:t>
+              <a:t>7/16/23</a:t>
             </a:fld>
             <a:endParaRPr lang="en-US"/>
           </a:p>
@@ -21577,7 +21661,7 @@
           <a:p>
             <a:fld id="{859513D9-DD43-B54E-8C08-84413EA487CF}" type="datetimeFigureOut">
               <a:rPr lang="en-US" smtClean="0"/>
-              <a:t>7/15/23</a:t>
+              <a:t>7/16/23</a:t>
             </a:fld>
             <a:endParaRPr lang="en-US"/>
           </a:p>
@@ -21829,7 +21913,7 @@
           <a:p>
             <a:fld id="{859513D9-DD43-B54E-8C08-84413EA487CF}" type="datetimeFigureOut">
               <a:rPr lang="en-US" smtClean="0"/>
-              <a:t>7/15/23</a:t>
+              <a:t>7/16/23</a:t>
             </a:fld>
             <a:endParaRPr lang="en-US"/>
           </a:p>
@@ -22040,7 +22124,7 @@
           <a:p>
             <a:fld id="{859513D9-DD43-B54E-8C08-84413EA487CF}" type="datetimeFigureOut">
               <a:rPr lang="en-US" smtClean="0"/>
-              <a:t>7/15/23</a:t>
+              <a:t>7/16/23</a:t>
             </a:fld>
             <a:endParaRPr lang="en-US"/>
           </a:p>
@@ -23000,8 +23084,8 @@
         </p:blipFill>
         <p:spPr>
           <a:xfrm>
-            <a:off x="133350" y="764177"/>
-            <a:ext cx="7772400" cy="5329645"/>
+            <a:off x="0" y="779469"/>
+            <a:ext cx="5525674" cy="3789033"/>
           </a:xfrm>
           <a:prstGeom prst="rect">
             <a:avLst/>
@@ -23029,7 +23113,7 @@
         </p:blipFill>
         <p:spPr>
           <a:xfrm>
-            <a:off x="7027101" y="5070549"/>
+            <a:off x="126304" y="4923461"/>
             <a:ext cx="5164899" cy="1640420"/>
           </a:xfrm>
           <a:prstGeom prst="rect">
@@ -23072,6 +23156,36 @@
           </a:p>
         </p:txBody>
       </p:sp>
+      <p:pic>
+        <p:nvPicPr>
+          <p:cNvPr id="2" name="Picture 1">
+            <a:extLst>
+              <a:ext uri="{FF2B5EF4-FFF2-40B4-BE49-F238E27FC236}">
+                <a16:creationId xmlns:a16="http://schemas.microsoft.com/office/drawing/2014/main" id="{9CAAEAE5-DFD3-C573-E1CF-A2226713AC7A}"/>
+              </a:ext>
+            </a:extLst>
+          </p:cNvPr>
+          <p:cNvPicPr>
+            <a:picLocks noChangeAspect="1"/>
+          </p:cNvPicPr>
+          <p:nvPr/>
+        </p:nvPicPr>
+        <p:blipFill>
+          <a:blip r:embed="rId5"/>
+          <a:stretch>
+            <a:fillRect/>
+          </a:stretch>
+        </p:blipFill>
+        <p:spPr>
+          <a:xfrm>
+            <a:off x="5291203" y="566526"/>
+            <a:ext cx="6900797" cy="5198532"/>
+          </a:xfrm>
+          <a:prstGeom prst="rect">
+            <a:avLst/>
+          </a:prstGeom>
+        </p:spPr>
+      </p:pic>
     </p:spTree>
     <p:extLst>
       <p:ext uri="{BB962C8B-B14F-4D97-AF65-F5344CB8AC3E}">
@@ -31631,8 +31745,8 @@
         </p:nvSpPr>
         <p:spPr>
           <a:xfrm>
-            <a:off x="1943100" y="2122715"/>
-            <a:ext cx="817336" cy="369332"/>
+            <a:off x="1943099" y="2122715"/>
+            <a:ext cx="1476505" cy="369332"/>
           </a:xfrm>
           <a:prstGeom prst="rect">
             <a:avLst/>
@@ -31647,7 +31761,7 @@
           <a:p>
             <a:r>
               <a:rPr lang="en-US" b="1" dirty="0"/>
-              <a:t>GEX</a:t>
+              <a:t>GEX and VDJ</a:t>
             </a:r>
           </a:p>
         </p:txBody>
@@ -31814,7 +31928,7 @@
           <p:nvPr/>
         </p:nvPicPr>
         <p:blipFill rotWithShape="1">
-          <a:blip r:embed="rId2"/>
+          <a:blip r:embed="rId3"/>
           <a:srcRect t="2625"/>
           <a:stretch/>
         </p:blipFill>
@@ -31843,7 +31957,7 @@
           <p:nvPr/>
         </p:nvPicPr>
         <p:blipFill>
-          <a:blip r:embed="rId3"/>
+          <a:blip r:embed="rId4"/>
           <a:stretch>
             <a:fillRect/>
           </a:stretch>
@@ -31895,6 +32009,76 @@
                 </a:solidFill>
               </a:rPr>
               <a:t>Step 3: VDJ enrichment and Library Construction </a:t>
+            </a:r>
+          </a:p>
+        </p:txBody>
+      </p:sp>
+      <p:sp>
+        <p:nvSpPr>
+          <p:cNvPr id="6" name="TextBox 5">
+            <a:extLst>
+              <a:ext uri="{FF2B5EF4-FFF2-40B4-BE49-F238E27FC236}">
+                <a16:creationId xmlns:a16="http://schemas.microsoft.com/office/drawing/2014/main" id="{406FCBC9-7845-D7D8-9305-E0613C269D71}"/>
+              </a:ext>
+            </a:extLst>
+          </p:cNvPr>
+          <p:cNvSpPr txBox="1"/>
+          <p:nvPr/>
+        </p:nvSpPr>
+        <p:spPr>
+          <a:xfrm>
+            <a:off x="2417524" y="713984"/>
+            <a:ext cx="1640909" cy="338554"/>
+          </a:xfrm>
+          <a:prstGeom prst="rect">
+            <a:avLst/>
+          </a:prstGeom>
+          <a:noFill/>
+        </p:spPr>
+        <p:txBody>
+          <a:bodyPr wrap="square" rtlCol="0">
+            <a:spAutoFit/>
+          </a:bodyPr>
+          <a:lstStyle/>
+          <a:p>
+            <a:r>
+              <a:rPr lang="en-US" sz="1600" b="1" dirty="0"/>
+              <a:t>GEX</a:t>
+            </a:r>
+          </a:p>
+        </p:txBody>
+      </p:sp>
+      <p:sp>
+        <p:nvSpPr>
+          <p:cNvPr id="7" name="TextBox 6">
+            <a:extLst>
+              <a:ext uri="{FF2B5EF4-FFF2-40B4-BE49-F238E27FC236}">
+                <a16:creationId xmlns:a16="http://schemas.microsoft.com/office/drawing/2014/main" id="{0429087E-B7B4-A748-B3A6-4BEC88484155}"/>
+              </a:ext>
+            </a:extLst>
+          </p:cNvPr>
+          <p:cNvSpPr txBox="1"/>
+          <p:nvPr/>
+        </p:nvSpPr>
+        <p:spPr>
+          <a:xfrm>
+            <a:off x="2770340" y="1492685"/>
+            <a:ext cx="1640909" cy="338554"/>
+          </a:xfrm>
+          <a:prstGeom prst="rect">
+            <a:avLst/>
+          </a:prstGeom>
+          <a:noFill/>
+        </p:spPr>
+        <p:txBody>
+          <a:bodyPr wrap="square" rtlCol="0">
+            <a:spAutoFit/>
+          </a:bodyPr>
+          <a:lstStyle/>
+          <a:p>
+            <a:r>
+              <a:rPr lang="en-US" sz="1600" b="1" dirty="0"/>
+              <a:t>CSP</a:t>
             </a:r>
           </a:p>
         </p:txBody>
